--- a/JavaScript/5 - Arrays/arrays.pptx
+++ b/JavaScript/5 - Arrays/arrays.pptx
@@ -315,7 +315,7 @@
           <a:p>
             <a:fld id="{4AAD347D-5ACD-4C99-B74B-A9C85AD731AF}" type="datetimeFigureOut">
               <a:rPr lang="en-US" dirty="0"/>
-              <a:t>1/30/2020</a:t>
+              <a:t>11/5/21</a:t>
             </a:fld>
             <a:endParaRPr lang="en-US" dirty="0"/>
           </a:p>
@@ -357,7 +357,7 @@
           <a:p>
             <a:fld id="{D57F1E4F-1CFF-5643-939E-02111984F565}" type="slidenum">
               <a:rPr lang="en-US" dirty="0"/>
-              <a:t>‹N°›</a:t>
+              <a:t>‹#›</a:t>
             </a:fld>
             <a:endParaRPr lang="en-US" dirty="0"/>
           </a:p>
@@ -585,7 +585,7 @@
           <a:p>
             <a:fld id="{4509A250-FF31-4206-8172-F9D3106AACB1}" type="datetimeFigureOut">
               <a:rPr lang="en-US" dirty="0"/>
-              <a:t>1/30/2020</a:t>
+              <a:t>11/5/21</a:t>
             </a:fld>
             <a:endParaRPr lang="en-US" dirty="0"/>
           </a:p>
@@ -627,7 +627,7 @@
           <a:p>
             <a:fld id="{D57F1E4F-1CFF-5643-939E-02111984F565}" type="slidenum">
               <a:rPr lang="en-US" dirty="0"/>
-              <a:t>‹N°›</a:t>
+              <a:t>‹#›</a:t>
             </a:fld>
             <a:endParaRPr lang="en-US" dirty="0"/>
           </a:p>
@@ -774,7 +774,7 @@
           <a:p>
             <a:fld id="{4509A250-FF31-4206-8172-F9D3106AACB1}" type="datetimeFigureOut">
               <a:rPr lang="en-US" dirty="0"/>
-              <a:t>1/30/2020</a:t>
+              <a:t>11/5/21</a:t>
             </a:fld>
             <a:endParaRPr lang="en-US" dirty="0"/>
           </a:p>
@@ -816,7 +816,7 @@
           <a:p>
             <a:fld id="{D57F1E4F-1CFF-5643-939E-02111984F565}" type="slidenum">
               <a:rPr lang="en-US" dirty="0"/>
-              <a:t>‹N°›</a:t>
+              <a:t>‹#›</a:t>
             </a:fld>
             <a:endParaRPr lang="en-US" dirty="0"/>
           </a:p>
@@ -1042,7 +1042,7 @@
           <a:p>
             <a:fld id="{4509A250-FF31-4206-8172-F9D3106AACB1}" type="datetimeFigureOut">
               <a:rPr lang="en-US" dirty="0"/>
-              <a:t>1/30/2020</a:t>
+              <a:t>11/5/21</a:t>
             </a:fld>
             <a:endParaRPr lang="en-US" dirty="0"/>
           </a:p>
@@ -1084,7 +1084,7 @@
           <a:p>
             <a:fld id="{D57F1E4F-1CFF-5643-939E-02111984F565}" type="slidenum">
               <a:rPr lang="en-US" dirty="0"/>
-              <a:t>‹N°›</a:t>
+              <a:t>‹#›</a:t>
             </a:fld>
             <a:endParaRPr lang="en-US" dirty="0"/>
           </a:p>
@@ -1378,7 +1378,7 @@
           <a:p>
             <a:fld id="{4509A250-FF31-4206-8172-F9D3106AACB1}" type="datetimeFigureOut">
               <a:rPr lang="en-US" dirty="0"/>
-              <a:t>1/30/2020</a:t>
+              <a:t>11/5/21</a:t>
             </a:fld>
             <a:endParaRPr lang="en-US" dirty="0"/>
           </a:p>
@@ -1420,7 +1420,7 @@
           <a:p>
             <a:fld id="{D57F1E4F-1CFF-5643-939E-02111984F565}" type="slidenum">
               <a:rPr lang="en-US" dirty="0"/>
-              <a:t>‹N°›</a:t>
+              <a:t>‹#›</a:t>
             </a:fld>
             <a:endParaRPr lang="en-US" dirty="0"/>
           </a:p>
@@ -1996,7 +1996,7 @@
           <a:p>
             <a:fld id="{4509A250-FF31-4206-8172-F9D3106AACB1}" type="datetimeFigureOut">
               <a:rPr lang="en-US" dirty="0"/>
-              <a:t>1/30/2020</a:t>
+              <a:t>11/5/21</a:t>
             </a:fld>
             <a:endParaRPr lang="en-US" dirty="0"/>
           </a:p>
@@ -2038,7 +2038,7 @@
           <a:p>
             <a:fld id="{D57F1E4F-1CFF-5643-939E-02111984F565}" type="slidenum">
               <a:rPr lang="en-US" dirty="0"/>
-              <a:t>‹N°›</a:t>
+              <a:t>‹#›</a:t>
             </a:fld>
             <a:endParaRPr lang="en-US" dirty="0"/>
           </a:p>
@@ -2851,7 +2851,7 @@
           <a:p>
             <a:fld id="{4509A250-FF31-4206-8172-F9D3106AACB1}" type="datetimeFigureOut">
               <a:rPr lang="en-US" dirty="0"/>
-              <a:t>1/30/2020</a:t>
+              <a:t>11/5/21</a:t>
             </a:fld>
             <a:endParaRPr lang="en-US" dirty="0"/>
           </a:p>
@@ -2893,7 +2893,7 @@
           <a:p>
             <a:fld id="{D57F1E4F-1CFF-5643-939E-02111984F565}" type="slidenum">
               <a:rPr lang="en-US" dirty="0"/>
-              <a:t>‹N°›</a:t>
+              <a:t>‹#›</a:t>
             </a:fld>
             <a:endParaRPr lang="en-US" dirty="0"/>
           </a:p>
@@ -3016,7 +3016,7 @@
           <a:p>
             <a:fld id="{4509A250-FF31-4206-8172-F9D3106AACB1}" type="datetimeFigureOut">
               <a:rPr lang="en-US" dirty="0"/>
-              <a:t>1/30/2020</a:t>
+              <a:t>11/5/21</a:t>
             </a:fld>
             <a:endParaRPr lang="en-US" dirty="0"/>
           </a:p>
@@ -3058,7 +3058,7 @@
           <a:p>
             <a:fld id="{D57F1E4F-1CFF-5643-939E-02111984F565}" type="slidenum">
               <a:rPr lang="en-US" dirty="0"/>
-              <a:t>‹N°›</a:t>
+              <a:t>‹#›</a:t>
             </a:fld>
             <a:endParaRPr lang="en-US" dirty="0"/>
           </a:p>
@@ -3191,7 +3191,7 @@
           <a:p>
             <a:fld id="{4509A250-FF31-4206-8172-F9D3106AACB1}" type="datetimeFigureOut">
               <a:rPr lang="en-US" dirty="0"/>
-              <a:t>1/30/2020</a:t>
+              <a:t>11/5/21</a:t>
             </a:fld>
             <a:endParaRPr lang="en-US" dirty="0"/>
           </a:p>
@@ -3233,7 +3233,7 @@
           <a:p>
             <a:fld id="{D57F1E4F-1CFF-5643-939E-02111984F565}" type="slidenum">
               <a:rPr lang="en-US" dirty="0"/>
-              <a:t>‹N°›</a:t>
+              <a:t>‹#›</a:t>
             </a:fld>
             <a:endParaRPr lang="en-US" dirty="0"/>
           </a:p>
@@ -3356,7 +3356,7 @@
           <a:p>
             <a:fld id="{4509A250-FF31-4206-8172-F9D3106AACB1}" type="datetimeFigureOut">
               <a:rPr lang="en-US" dirty="0"/>
-              <a:t>1/30/2020</a:t>
+              <a:t>11/5/21</a:t>
             </a:fld>
             <a:endParaRPr lang="en-US" dirty="0"/>
           </a:p>
@@ -3398,7 +3398,7 @@
           <a:p>
             <a:fld id="{D57F1E4F-1CFF-5643-939E-02111984F565}" type="slidenum">
               <a:rPr lang="en-US" dirty="0"/>
-              <a:t>‹N°›</a:t>
+              <a:t>‹#›</a:t>
             </a:fld>
             <a:endParaRPr lang="en-US" dirty="0"/>
           </a:p>
@@ -3598,7 +3598,7 @@
           <a:p>
             <a:fld id="{9796027F-7875-4030-9381-8BD8C4F21935}" type="datetimeFigureOut">
               <a:rPr lang="en-US" dirty="0"/>
-              <a:t>1/30/2020</a:t>
+              <a:t>11/5/21</a:t>
             </a:fld>
             <a:endParaRPr lang="en-US" dirty="0"/>
           </a:p>
@@ -3640,7 +3640,7 @@
           <a:p>
             <a:fld id="{D57F1E4F-1CFF-5643-939E-02111984F565}" type="slidenum">
               <a:rPr lang="en-US" dirty="0"/>
-              <a:t>‹N°›</a:t>
+              <a:t>‹#›</a:t>
             </a:fld>
             <a:endParaRPr lang="en-US" dirty="0"/>
           </a:p>
@@ -3885,7 +3885,7 @@
           <a:p>
             <a:fld id="{9796027F-7875-4030-9381-8BD8C4F21935}" type="datetimeFigureOut">
               <a:rPr lang="en-US" dirty="0"/>
-              <a:t>1/30/2020</a:t>
+              <a:t>11/5/21</a:t>
             </a:fld>
             <a:endParaRPr lang="en-US" dirty="0"/>
           </a:p>
@@ -3927,7 +3927,7 @@
           <a:p>
             <a:fld id="{D57F1E4F-1CFF-5643-939E-02111984F565}" type="slidenum">
               <a:rPr lang="en-US" dirty="0"/>
-              <a:t>‹N°›</a:t>
+              <a:t>‹#›</a:t>
             </a:fld>
             <a:endParaRPr lang="en-US" dirty="0"/>
           </a:p>
@@ -4324,7 +4324,7 @@
           <a:p>
             <a:fld id="{9796027F-7875-4030-9381-8BD8C4F21935}" type="datetimeFigureOut">
               <a:rPr lang="en-US" dirty="0"/>
-              <a:t>1/30/2020</a:t>
+              <a:t>11/5/21</a:t>
             </a:fld>
             <a:endParaRPr lang="en-US" dirty="0"/>
           </a:p>
@@ -4366,7 +4366,7 @@
           <a:p>
             <a:fld id="{D57F1E4F-1CFF-5643-939E-02111984F565}" type="slidenum">
               <a:rPr lang="en-US" dirty="0"/>
-              <a:t>‹N°›</a:t>
+              <a:t>‹#›</a:t>
             </a:fld>
             <a:endParaRPr lang="en-US" dirty="0"/>
           </a:p>
@@ -4437,7 +4437,7 @@
           <a:p>
             <a:fld id="{4509A250-FF31-4206-8172-F9D3106AACB1}" type="datetimeFigureOut">
               <a:rPr lang="en-US" dirty="0"/>
-              <a:t>1/30/2020</a:t>
+              <a:t>11/5/21</a:t>
             </a:fld>
             <a:endParaRPr lang="en-US" dirty="0"/>
           </a:p>
@@ -4479,7 +4479,7 @@
           <a:p>
             <a:fld id="{D57F1E4F-1CFF-5643-939E-02111984F565}" type="slidenum">
               <a:rPr lang="en-US" dirty="0"/>
-              <a:t>‹N°›</a:t>
+              <a:t>‹#›</a:t>
             </a:fld>
             <a:endParaRPr lang="en-US" dirty="0"/>
           </a:p>
@@ -4527,7 +4527,7 @@
           <a:p>
             <a:fld id="{4509A250-FF31-4206-8172-F9D3106AACB1}" type="datetimeFigureOut">
               <a:rPr lang="en-US" dirty="0"/>
-              <a:t>1/30/2020</a:t>
+              <a:t>11/5/21</a:t>
             </a:fld>
             <a:endParaRPr lang="en-US" dirty="0"/>
           </a:p>
@@ -4569,7 +4569,7 @@
           <a:p>
             <a:fld id="{D57F1E4F-1CFF-5643-939E-02111984F565}" type="slidenum">
               <a:rPr lang="en-US" dirty="0"/>
-              <a:t>‹N°›</a:t>
+              <a:t>‹#›</a:t>
             </a:fld>
             <a:endParaRPr lang="en-US" dirty="0"/>
           </a:p>
@@ -4801,7 +4801,7 @@
           <a:p>
             <a:fld id="{4509A250-FF31-4206-8172-F9D3106AACB1}" type="datetimeFigureOut">
               <a:rPr lang="en-US" dirty="0"/>
-              <a:t>1/30/2020</a:t>
+              <a:t>11/5/21</a:t>
             </a:fld>
             <a:endParaRPr lang="en-US" dirty="0"/>
           </a:p>
@@ -4843,7 +4843,7 @@
           <a:p>
             <a:fld id="{D57F1E4F-1CFF-5643-939E-02111984F565}" type="slidenum">
               <a:rPr lang="en-US" dirty="0"/>
-              <a:t>‹N°›</a:t>
+              <a:t>‹#›</a:t>
             </a:fld>
             <a:endParaRPr lang="en-US" dirty="0"/>
           </a:p>
@@ -5071,7 +5071,7 @@
           <a:p>
             <a:fld id="{4509A250-FF31-4206-8172-F9D3106AACB1}" type="datetimeFigureOut">
               <a:rPr lang="en-US" dirty="0"/>
-              <a:t>1/30/2020</a:t>
+              <a:t>11/5/21</a:t>
             </a:fld>
             <a:endParaRPr lang="en-US" dirty="0"/>
           </a:p>
@@ -5113,7 +5113,7 @@
           <a:p>
             <a:fld id="{D57F1E4F-1CFF-5643-939E-02111984F565}" type="slidenum">
               <a:rPr lang="en-US" dirty="0"/>
-              <a:t>‹N°›</a:t>
+              <a:t>‹#›</a:t>
             </a:fld>
             <a:endParaRPr lang="en-US" dirty="0"/>
           </a:p>
@@ -5495,7 +5495,7 @@
           <a:p>
             <a:fld id="{4AAD347D-5ACD-4C99-B74B-A9C85AD731AF}" type="datetimeFigureOut">
               <a:rPr lang="en-US" dirty="0"/>
-              <a:t>1/30/2020</a:t>
+              <a:t>11/5/21</a:t>
             </a:fld>
             <a:endParaRPr lang="en-US" dirty="0"/>
           </a:p>
@@ -5574,7 +5574,7 @@
           <a:p>
             <a:fld id="{D57F1E4F-1CFF-5643-939E-02111984F565}" type="slidenum">
               <a:rPr lang="en-US" dirty="0"/>
-              <a:t>‹N°›</a:t>
+              <a:t>‹#›</a:t>
             </a:fld>
             <a:endParaRPr lang="en-US" dirty="0"/>
           </a:p>
@@ -8058,7 +8058,7 @@
         </p:nvSpPr>
         <p:spPr>
           <a:xfrm>
-            <a:off x="1027111" y="20620"/>
+            <a:off x="1027111" y="102681"/>
             <a:ext cx="9404723" cy="781722"/>
           </a:xfrm>
         </p:spPr>
